--- a/06. Apex Minds Technologies Human Capital & Employee Compensation Analysis Presentation.pptx
+++ b/06. Apex Minds Technologies Human Capital & Employee Compensation Analysis Presentation.pptx
@@ -3491,8 +3491,8 @@
         </p:nvSpPr>
         <p:spPr bwMode="auto">
           <a:xfrm>
-            <a:off x="0" y="321593"/>
-            <a:ext cx="12115800" cy="769441"/>
+            <a:off x="0" y="352371"/>
+            <a:ext cx="12115800" cy="707886"/>
           </a:xfrm>
           <a:prstGeom prst="rect">
             <a:avLst/>
@@ -3557,7 +3557,7 @@
               <a:tabLst/>
             </a:pPr>
             <a:r>
-              <a:rPr kumimoji="0" lang="en-US" altLang="en-US" b="1" i="0" u="none" strike="noStrike" cap="none" normalizeH="0" baseline="0" dirty="0">
+              <a:rPr kumimoji="0" lang="en-US" altLang="en-US" sz="4000" b="1" i="0" u="none" strike="noStrike" cap="none" normalizeH="0" baseline="0" dirty="0">
                 <a:ln>
                   <a:noFill/>
                 </a:ln>
@@ -3569,7 +3569,7 @@
               <a:t>🖥️ Dashboard </a:t>
             </a:r>
             <a:r>
-              <a:rPr lang="en-US" altLang="en-US" b="1" dirty="0">
+              <a:rPr lang="en-US" altLang="en-US" sz="4000" b="1" dirty="0">
                 <a:solidFill>
                   <a:srgbClr val="000000"/>
                 </a:solidFill>
@@ -3577,7 +3577,7 @@
               <a:t>Overv</a:t>
             </a:r>
             <a:r>
-              <a:rPr kumimoji="0" lang="en-US" altLang="en-US" b="1" i="0" u="none" strike="noStrike" cap="none" normalizeH="0" baseline="0" dirty="0">
+              <a:rPr kumimoji="0" lang="en-US" altLang="en-US" sz="4000" b="1" i="0" u="none" strike="noStrike" cap="none" normalizeH="0" baseline="0" dirty="0">
                 <a:ln>
                   <a:noFill/>
                 </a:ln>
@@ -3586,9 +3586,9 @@
                 </a:solidFill>
                 <a:effectLst/>
               </a:rPr>
-              <a:t>iew (1)</a:t>
-            </a:r>
-            <a:endParaRPr kumimoji="0" lang="en-US" altLang="en-US" b="1" i="0" u="none" strike="noStrike" cap="none" normalizeH="0" baseline="0" dirty="0">
+              <a:t>iew (1) – Headcount &amp; Distribution</a:t>
+            </a:r>
+            <a:endParaRPr kumimoji="0" lang="en-US" altLang="en-US" sz="4000" b="1" i="0" u="none" strike="noStrike" cap="none" normalizeH="0" baseline="0" dirty="0">
               <a:ln>
                 <a:noFill/>
               </a:ln>
@@ -3689,8 +3689,8 @@
         </p:nvSpPr>
         <p:spPr bwMode="auto">
           <a:xfrm>
-            <a:off x="0" y="321593"/>
-            <a:ext cx="12115800" cy="769441"/>
+            <a:off x="0" y="352370"/>
+            <a:ext cx="12115800" cy="707886"/>
           </a:xfrm>
           <a:prstGeom prst="rect">
             <a:avLst/>
@@ -3755,7 +3755,7 @@
               <a:tabLst/>
             </a:pPr>
             <a:r>
-              <a:rPr kumimoji="0" lang="en-US" altLang="en-US" b="1" i="0" u="none" strike="noStrike" cap="none" normalizeH="0" baseline="0" dirty="0">
+              <a:rPr kumimoji="0" lang="en-US" altLang="en-US" sz="4000" b="1" i="0" u="none" strike="noStrike" cap="none" normalizeH="0" baseline="0" dirty="0">
                 <a:ln>
                   <a:noFill/>
                 </a:ln>
@@ -3767,7 +3767,7 @@
               <a:t>🖥️ Dashboard </a:t>
             </a:r>
             <a:r>
-              <a:rPr lang="en-US" altLang="en-US" b="1" dirty="0">
+              <a:rPr lang="en-US" altLang="en-US" sz="4000" b="1" dirty="0">
                 <a:solidFill>
                   <a:srgbClr val="000000"/>
                 </a:solidFill>
@@ -3775,7 +3775,7 @@
               <a:t>Overv</a:t>
             </a:r>
             <a:r>
-              <a:rPr kumimoji="0" lang="en-US" altLang="en-US" b="1" i="0" u="none" strike="noStrike" cap="none" normalizeH="0" baseline="0" dirty="0">
+              <a:rPr kumimoji="0" lang="en-US" altLang="en-US" sz="4000" b="1" i="0" u="none" strike="noStrike" cap="none" normalizeH="0" baseline="0" dirty="0">
                 <a:ln>
                   <a:noFill/>
                 </a:ln>
@@ -3784,9 +3784,9 @@
                 </a:solidFill>
                 <a:effectLst/>
               </a:rPr>
-              <a:t>iew (2)</a:t>
-            </a:r>
-            <a:endParaRPr kumimoji="0" lang="en-US" altLang="en-US" b="1" i="0" u="none" strike="noStrike" cap="none" normalizeH="0" baseline="0" dirty="0">
+              <a:t>iew (2) – Salary &amp; Performance</a:t>
+            </a:r>
+            <a:endParaRPr kumimoji="0" lang="en-US" altLang="en-US" sz="4000" b="1" i="0" u="none" strike="noStrike" cap="none" normalizeH="0" baseline="0" dirty="0">
               <a:ln>
                 <a:noFill/>
               </a:ln>
@@ -5843,8 +5843,8 @@
         </p:nvSpPr>
         <p:spPr>
           <a:xfrm>
-            <a:off x="0" y="1545336"/>
-            <a:ext cx="12192000" cy="5312664"/>
+            <a:off x="0" y="1947672"/>
+            <a:ext cx="12192000" cy="4910328"/>
           </a:xfrm>
         </p:spPr>
         <p:txBody>
@@ -6376,6 +6376,7 @@
             </a:r>
           </a:p>
           <a:p>
+            <a:pPr lvl="1"/>
             <a:r>
               <a:rPr lang="en-US" sz="1500" dirty="0"/>
               <a:t>The analysis highlights Apex Minds’ balanced workforce distribution with gradual salary progression across experience and hierarchy levels.</a:t>
@@ -6390,6 +6391,7 @@
             <a:endParaRPr lang="en-US" sz="1500" b="1" dirty="0"/>
           </a:p>
           <a:p>
+            <a:pPr lvl="1"/>
             <a:r>
               <a:rPr lang="en-US" sz="1500" b="1" dirty="0"/>
               <a:t>Strong correlation</a:t>
@@ -6400,6 +6402,7 @@
             </a:r>
           </a:p>
           <a:p>
+            <a:pPr lvl="1"/>
             <a:r>
               <a:rPr lang="en-US" sz="1500" b="1" dirty="0"/>
               <a:t>R&amp;D and Finance</a:t>
@@ -6410,6 +6413,7 @@
             </a:r>
           </a:p>
           <a:p>
+            <a:pPr lvl="1"/>
             <a:r>
               <a:rPr lang="en-US" sz="1500" b="1" dirty="0"/>
               <a:t>Senior Professionals</a:t>
@@ -6420,6 +6424,7 @@
             </a:r>
           </a:p>
           <a:p>
+            <a:pPr lvl="1"/>
             <a:r>
               <a:rPr lang="en-US" sz="1500" b="1" dirty="0"/>
               <a:t>Rating-based salary variation</a:t>
@@ -6430,6 +6435,7 @@
             </a:r>
           </a:p>
           <a:p>
+            <a:pPr lvl="1"/>
             <a:r>
               <a:rPr lang="en-US" sz="1500" b="1" dirty="0"/>
               <a:t>Age group 29–38 years</a:t>
@@ -6440,6 +6446,7 @@
             </a:r>
           </a:p>
           <a:p>
+            <a:pPr lvl="1"/>
             <a:r>
               <a:rPr lang="en-US" sz="1500" dirty="0"/>
               <a:t>Overall, the dashboards empower HR leaders to make </a:t>
